--- a/doc/Report/Jun 20 2022.pptx
+++ b/doc/Report/Jun 20 2022.pptx
@@ -215,7 +215,7 @@
           <a:p>
             <a:fld id="{97BE2177-E45B-449F-AE2E-ED4743253C6D}" type="datetimeFigureOut">
               <a:rPr lang="zh-CN" altLang="en-US" smtClean="0"/>
-              <a:t>2022/6/20</a:t>
+              <a:t>2022/6/23</a:t>
             </a:fld>
             <a:endParaRPr lang="zh-CN" altLang="en-US"/>
           </a:p>
@@ -1133,7 +1133,7 @@
           <a:p>
             <a:fld id="{B9614994-C529-43AC-BD2C-52D47B0301A5}" type="datetimeFigureOut">
               <a:rPr lang="zh-CN" altLang="en-US" smtClean="0"/>
-              <a:t>2022/6/20</a:t>
+              <a:t>2022/6/23</a:t>
             </a:fld>
             <a:endParaRPr lang="zh-CN" altLang="en-US"/>
           </a:p>
@@ -1331,7 +1331,7 @@
           <a:p>
             <a:fld id="{B9614994-C529-43AC-BD2C-52D47B0301A5}" type="datetimeFigureOut">
               <a:rPr lang="zh-CN" altLang="en-US" smtClean="0"/>
-              <a:t>2022/6/20</a:t>
+              <a:t>2022/6/23</a:t>
             </a:fld>
             <a:endParaRPr lang="zh-CN" altLang="en-US"/>
           </a:p>
@@ -1539,7 +1539,7 @@
           <a:p>
             <a:fld id="{B9614994-C529-43AC-BD2C-52D47B0301A5}" type="datetimeFigureOut">
               <a:rPr lang="zh-CN" altLang="en-US" smtClean="0"/>
-              <a:t>2022/6/20</a:t>
+              <a:t>2022/6/23</a:t>
             </a:fld>
             <a:endParaRPr lang="zh-CN" altLang="en-US"/>
           </a:p>
@@ -1737,7 +1737,7 @@
           <a:p>
             <a:fld id="{B9614994-C529-43AC-BD2C-52D47B0301A5}" type="datetimeFigureOut">
               <a:rPr lang="zh-CN" altLang="en-US" smtClean="0"/>
-              <a:t>2022/6/20</a:t>
+              <a:t>2022/6/23</a:t>
             </a:fld>
             <a:endParaRPr lang="zh-CN" altLang="en-US"/>
           </a:p>
@@ -2012,7 +2012,7 @@
           <a:p>
             <a:fld id="{B9614994-C529-43AC-BD2C-52D47B0301A5}" type="datetimeFigureOut">
               <a:rPr lang="zh-CN" altLang="en-US" smtClean="0"/>
-              <a:t>2022/6/20</a:t>
+              <a:t>2022/6/23</a:t>
             </a:fld>
             <a:endParaRPr lang="zh-CN" altLang="en-US"/>
           </a:p>
@@ -2277,7 +2277,7 @@
           <a:p>
             <a:fld id="{B9614994-C529-43AC-BD2C-52D47B0301A5}" type="datetimeFigureOut">
               <a:rPr lang="zh-CN" altLang="en-US" smtClean="0"/>
-              <a:t>2022/6/20</a:t>
+              <a:t>2022/6/23</a:t>
             </a:fld>
             <a:endParaRPr lang="zh-CN" altLang="en-US"/>
           </a:p>
@@ -2689,7 +2689,7 @@
           <a:p>
             <a:fld id="{B9614994-C529-43AC-BD2C-52D47B0301A5}" type="datetimeFigureOut">
               <a:rPr lang="zh-CN" altLang="en-US" smtClean="0"/>
-              <a:t>2022/6/20</a:t>
+              <a:t>2022/6/23</a:t>
             </a:fld>
             <a:endParaRPr lang="zh-CN" altLang="en-US"/>
           </a:p>
@@ -2830,7 +2830,7 @@
           <a:p>
             <a:fld id="{B9614994-C529-43AC-BD2C-52D47B0301A5}" type="datetimeFigureOut">
               <a:rPr lang="zh-CN" altLang="en-US" smtClean="0"/>
-              <a:t>2022/6/20</a:t>
+              <a:t>2022/6/23</a:t>
             </a:fld>
             <a:endParaRPr lang="zh-CN" altLang="en-US"/>
           </a:p>
@@ -2943,7 +2943,7 @@
           <a:p>
             <a:fld id="{B9614994-C529-43AC-BD2C-52D47B0301A5}" type="datetimeFigureOut">
               <a:rPr lang="zh-CN" altLang="en-US" smtClean="0"/>
-              <a:t>2022/6/20</a:t>
+              <a:t>2022/6/23</a:t>
             </a:fld>
             <a:endParaRPr lang="zh-CN" altLang="en-US"/>
           </a:p>
@@ -3254,7 +3254,7 @@
           <a:p>
             <a:fld id="{B9614994-C529-43AC-BD2C-52D47B0301A5}" type="datetimeFigureOut">
               <a:rPr lang="zh-CN" altLang="en-US" smtClean="0"/>
-              <a:t>2022/6/20</a:t>
+              <a:t>2022/6/23</a:t>
             </a:fld>
             <a:endParaRPr lang="zh-CN" altLang="en-US"/>
           </a:p>
@@ -3542,7 +3542,7 @@
           <a:p>
             <a:fld id="{B9614994-C529-43AC-BD2C-52D47B0301A5}" type="datetimeFigureOut">
               <a:rPr lang="zh-CN" altLang="en-US" smtClean="0"/>
-              <a:t>2022/6/20</a:t>
+              <a:t>2022/6/23</a:t>
             </a:fld>
             <a:endParaRPr lang="zh-CN" altLang="en-US"/>
           </a:p>
@@ -3783,7 +3783,7 @@
           <a:p>
             <a:fld id="{B9614994-C529-43AC-BD2C-52D47B0301A5}" type="datetimeFigureOut">
               <a:rPr lang="zh-CN" altLang="en-US" smtClean="0"/>
-              <a:t>2022/6/20</a:t>
+              <a:t>2022/6/23</a:t>
             </a:fld>
             <a:endParaRPr lang="zh-CN" altLang="en-US"/>
           </a:p>
@@ -5634,16 +5634,33 @@
           <a:p>
             <a:r>
               <a:rPr lang="en-US" altLang="zh-CN" dirty="0"/>
-              <a:t>Semi-Supervised Learning with mask</a:t>
-            </a:r>
-          </a:p>
-          <a:p>
+              <a:t>Semi-Supervised Learning with mask (Ali </a:t>
+            </a:r>
+            <a:r>
+              <a:rPr lang="en-US" altLang="zh-CN" dirty="0" err="1"/>
+              <a:t>Rajabi</a:t>
+            </a:r>
+            <a:r>
+              <a:rPr lang="en-US" altLang="zh-CN" dirty="0"/>
+              <a:t>,</a:t>
+            </a:r>
+            <a:r>
+              <a:rPr lang="zh-CN" altLang="en-US" dirty="0"/>
+              <a:t> </a:t>
+            </a:r>
+            <a:r>
+              <a:rPr lang="en-US" altLang="zh-CN"/>
+              <a:t>UMN PhD)</a:t>
+            </a:r>
             <a:endParaRPr lang="en-US" altLang="zh-CN" dirty="0"/>
           </a:p>
           <a:p>
-            <a:r>
-              <a:rPr lang="en-US" altLang="zh-CN" dirty="0"/>
-              <a:t>Reinforcement learning with Federated Learning</a:t>
+            <a:endParaRPr lang="en-US" altLang="zh-CN" dirty="0"/>
+          </a:p>
+          <a:p>
+            <a:r>
+              <a:rPr lang="en-US" altLang="zh-CN" dirty="0"/>
+              <a:t>Federated Reinforcement Learning</a:t>
             </a:r>
           </a:p>
           <a:p>
@@ -6084,7 +6101,7 @@
           <a:p>
             <a:pPr lvl="1"/>
             <a:r>
-              <a:rPr lang="en-US" altLang="zh-CN"/>
+              <a:rPr lang="en-US" altLang="zh-CN" dirty="0"/>
               <a:t>Transformer</a:t>
             </a:r>
           </a:p>

--- a/doc/Report/Jun 20 2022.pptx
+++ b/doc/Report/Jun 20 2022.pptx
@@ -215,7 +215,7 @@
           <a:p>
             <a:fld id="{97BE2177-E45B-449F-AE2E-ED4743253C6D}" type="datetimeFigureOut">
               <a:rPr lang="zh-CN" altLang="en-US" smtClean="0"/>
-              <a:t>2022/6/23</a:t>
+              <a:t>2022/10/1</a:t>
             </a:fld>
             <a:endParaRPr lang="zh-CN" altLang="en-US"/>
           </a:p>
@@ -1133,7 +1133,7 @@
           <a:p>
             <a:fld id="{B9614994-C529-43AC-BD2C-52D47B0301A5}" type="datetimeFigureOut">
               <a:rPr lang="zh-CN" altLang="en-US" smtClean="0"/>
-              <a:t>2022/6/23</a:t>
+              <a:t>2022/10/1</a:t>
             </a:fld>
             <a:endParaRPr lang="zh-CN" altLang="en-US"/>
           </a:p>
@@ -1331,7 +1331,7 @@
           <a:p>
             <a:fld id="{B9614994-C529-43AC-BD2C-52D47B0301A5}" type="datetimeFigureOut">
               <a:rPr lang="zh-CN" altLang="en-US" smtClean="0"/>
-              <a:t>2022/6/23</a:t>
+              <a:t>2022/10/1</a:t>
             </a:fld>
             <a:endParaRPr lang="zh-CN" altLang="en-US"/>
           </a:p>
@@ -1539,7 +1539,7 @@
           <a:p>
             <a:fld id="{B9614994-C529-43AC-BD2C-52D47B0301A5}" type="datetimeFigureOut">
               <a:rPr lang="zh-CN" altLang="en-US" smtClean="0"/>
-              <a:t>2022/6/23</a:t>
+              <a:t>2022/10/1</a:t>
             </a:fld>
             <a:endParaRPr lang="zh-CN" altLang="en-US"/>
           </a:p>
@@ -1737,7 +1737,7 @@
           <a:p>
             <a:fld id="{B9614994-C529-43AC-BD2C-52D47B0301A5}" type="datetimeFigureOut">
               <a:rPr lang="zh-CN" altLang="en-US" smtClean="0"/>
-              <a:t>2022/6/23</a:t>
+              <a:t>2022/10/1</a:t>
             </a:fld>
             <a:endParaRPr lang="zh-CN" altLang="en-US"/>
           </a:p>
@@ -2012,7 +2012,7 @@
           <a:p>
             <a:fld id="{B9614994-C529-43AC-BD2C-52D47B0301A5}" type="datetimeFigureOut">
               <a:rPr lang="zh-CN" altLang="en-US" smtClean="0"/>
-              <a:t>2022/6/23</a:t>
+              <a:t>2022/10/1</a:t>
             </a:fld>
             <a:endParaRPr lang="zh-CN" altLang="en-US"/>
           </a:p>
@@ -2277,7 +2277,7 @@
           <a:p>
             <a:fld id="{B9614994-C529-43AC-BD2C-52D47B0301A5}" type="datetimeFigureOut">
               <a:rPr lang="zh-CN" altLang="en-US" smtClean="0"/>
-              <a:t>2022/6/23</a:t>
+              <a:t>2022/10/1</a:t>
             </a:fld>
             <a:endParaRPr lang="zh-CN" altLang="en-US"/>
           </a:p>
@@ -2689,7 +2689,7 @@
           <a:p>
             <a:fld id="{B9614994-C529-43AC-BD2C-52D47B0301A5}" type="datetimeFigureOut">
               <a:rPr lang="zh-CN" altLang="en-US" smtClean="0"/>
-              <a:t>2022/6/23</a:t>
+              <a:t>2022/10/1</a:t>
             </a:fld>
             <a:endParaRPr lang="zh-CN" altLang="en-US"/>
           </a:p>
@@ -2830,7 +2830,7 @@
           <a:p>
             <a:fld id="{B9614994-C529-43AC-BD2C-52D47B0301A5}" type="datetimeFigureOut">
               <a:rPr lang="zh-CN" altLang="en-US" smtClean="0"/>
-              <a:t>2022/6/23</a:t>
+              <a:t>2022/10/1</a:t>
             </a:fld>
             <a:endParaRPr lang="zh-CN" altLang="en-US"/>
           </a:p>
@@ -2943,7 +2943,7 @@
           <a:p>
             <a:fld id="{B9614994-C529-43AC-BD2C-52D47B0301A5}" type="datetimeFigureOut">
               <a:rPr lang="zh-CN" altLang="en-US" smtClean="0"/>
-              <a:t>2022/6/23</a:t>
+              <a:t>2022/10/1</a:t>
             </a:fld>
             <a:endParaRPr lang="zh-CN" altLang="en-US"/>
           </a:p>
@@ -3254,7 +3254,7 @@
           <a:p>
             <a:fld id="{B9614994-C529-43AC-BD2C-52D47B0301A5}" type="datetimeFigureOut">
               <a:rPr lang="zh-CN" altLang="en-US" smtClean="0"/>
-              <a:t>2022/6/23</a:t>
+              <a:t>2022/10/1</a:t>
             </a:fld>
             <a:endParaRPr lang="zh-CN" altLang="en-US"/>
           </a:p>
@@ -3542,7 +3542,7 @@
           <a:p>
             <a:fld id="{B9614994-C529-43AC-BD2C-52D47B0301A5}" type="datetimeFigureOut">
               <a:rPr lang="zh-CN" altLang="en-US" smtClean="0"/>
-              <a:t>2022/6/23</a:t>
+              <a:t>2022/10/1</a:t>
             </a:fld>
             <a:endParaRPr lang="zh-CN" altLang="en-US"/>
           </a:p>
@@ -3783,7 +3783,7 @@
           <a:p>
             <a:fld id="{B9614994-C529-43AC-BD2C-52D47B0301A5}" type="datetimeFigureOut">
               <a:rPr lang="zh-CN" altLang="en-US" smtClean="0"/>
-              <a:t>2022/6/23</a:t>
+              <a:t>2022/10/1</a:t>
             </a:fld>
             <a:endParaRPr lang="zh-CN" altLang="en-US"/>
           </a:p>
@@ -4280,7 +4280,14 @@
                 <a:latin typeface="Calibri" charset="0"/>
                 <a:cs typeface="Calibri" charset="0"/>
               </a:rPr>
-              <a:t>June 20 2021</a:t>
+              <a:t>June </a:t>
+            </a:r>
+            <a:r>
+              <a:rPr lang="en-US" altLang="zh-CN" sz="1600">
+                <a:latin typeface="Calibri" charset="0"/>
+                <a:cs typeface="Calibri" charset="0"/>
+              </a:rPr>
+              <a:t>20 2022</a:t>
             </a:r>
             <a:endParaRPr lang="en-US" sz="1600" dirty="0">
               <a:latin typeface="Calibri" charset="0"/>
